--- a/Weekly Meetings/NTUA_topTagger_TagNProbe_UL.pptx
+++ b/Weekly Meetings/NTUA_topTagger_TagNProbe_UL.pptx
@@ -7567,6 +7567,9 @@
           <a:lstStyle/>
           <a:p>
             <a:pPr algn="ctr"/>
+            <a:br>
+              <a:rPr lang="en-US" sz="4400" dirty="0"/>
+            </a:br>
             <a:r>
               <a:rPr lang="en-US" sz="4400" dirty="0"/>
               <a:t>NTUA Top Tagger</a:t>
@@ -7645,41 +7648,6 @@
           </a:prstGeom>
         </p:spPr>
       </p:pic>
-      <p:sp>
-        <p:nvSpPr>
-          <p:cNvPr id="3" name="TextBox 2"/>
-          <p:cNvSpPr txBox="1"/>
-          <p:nvPr/>
-        </p:nvSpPr>
-        <p:spPr>
-          <a:xfrm>
-            <a:off x="1138645" y="2772746"/>
-            <a:ext cx="9914709" cy="369332"/>
-          </a:xfrm>
-          <a:prstGeom prst="rect">
-            <a:avLst/>
-          </a:prstGeom>
-          <a:noFill/>
-        </p:spPr>
-        <p:txBody>
-          <a:bodyPr wrap="square" rtlCol="0">
-            <a:spAutoFit/>
-          </a:bodyPr>
-          <a:lstStyle/>
-          <a:p>
-            <a:pPr algn="ctr"/>
-            <a:r>
-              <a:rPr lang="en-US" dirty="0"/>
-              <a:t>George </a:t>
-            </a:r>
-            <a:r>
-              <a:rPr lang="en-US" dirty="0" err="1"/>
-              <a:t>Bakas</a:t>
-            </a:r>
-            <a:endParaRPr lang="en-US" dirty="0"/>
-          </a:p>
-        </p:txBody>
-      </p:sp>
     </p:spTree>
     <p:extLst>
       <p:ext uri="{BB962C8B-B14F-4D97-AF65-F5344CB8AC3E}">
@@ -7729,29 +7697,6 @@
               <a:rPr lang="en-US" smtClean="0"/>
               <a:t>12/8/22</a:t>
             </a:fld>
-            <a:endParaRPr lang="en-US" dirty="0"/>
-          </a:p>
-        </p:txBody>
-      </p:sp>
-      <p:sp>
-        <p:nvSpPr>
-          <p:cNvPr id="3" name="Footer Placeholder 2"/>
-          <p:cNvSpPr>
-            <a:spLocks noGrp="1"/>
-          </p:cNvSpPr>
-          <p:nvPr>
-            <p:ph type="ftr" sz="quarter" idx="11"/>
-          </p:nvPr>
-        </p:nvSpPr>
-        <p:spPr/>
-        <p:txBody>
-          <a:bodyPr/>
-          <a:lstStyle/>
-          <a:p>
-            <a:r>
-              <a:rPr lang="en-US"/>
-              <a:t>NTUA G. Bakas</a:t>
-            </a:r>
             <a:endParaRPr lang="en-US" dirty="0"/>
           </a:p>
         </p:txBody>
@@ -7967,8 +7912,18 @@
                   <a:rPr lang="en-US" sz="1600" dirty="0">
                     <a:latin typeface="+mj-lt"/>
                   </a:rPr>
-                  <a:t> Input and Output for UL analysis here</a:t>
+                  <a:t> Input and Output for UL analysis </a:t>
                 </a:r>
+                <a:r>
+                  <a:rPr lang="en-US" sz="1600" dirty="0">
+                    <a:latin typeface="+mj-lt"/>
+                    <a:hlinkClick r:id="rId3"/>
+                  </a:rPr>
+                  <a:t>here</a:t>
+                </a:r>
+                <a:endParaRPr lang="en-US" sz="1600" dirty="0">
+                  <a:latin typeface="+mj-lt"/>
+                </a:endParaRPr>
               </a:p>
               <a:p>
                 <a:pPr marL="342900" indent="-342900">
@@ -8647,7 +8602,7 @@
                   <a:rPr lang="en-US" sz="1600" dirty="0">
                     <a:latin typeface="+mj-lt"/>
                   </a:rPr>
-                  <a:t>For the QCD estimation, we perform a fit in the both regions (Tight &amp; Probe, Tight &amp; SR):</a:t>
+                  <a:t>For the QCD estimation, we perform a fit in both regions (Tight &amp; Probe, Tight &amp; SR):</a:t>
                 </a:r>
               </a:p>
               <a:p>
@@ -8742,7 +8697,7 @@
                     <a:latin typeface="+mj-lt"/>
                     <a:sym typeface="Wingdings" pitchFamily="2" charset="2"/>
                   </a:rPr>
-                  <a:t> in each regions (ttbar compatible ~ with SR) and get the signal strength </a:t>
+                  <a:t> in each region and get the signal strength </a:t>
                 </a:r>
                 <a:endParaRPr lang="en-US" sz="1600" dirty="0">
                   <a:latin typeface="+mj-lt"/>
@@ -8760,7 +8715,7 @@
                   <a:rPr lang="en-US" sz="1600" dirty="0">
                     <a:latin typeface="+mj-lt"/>
                   </a:rPr>
-                  <a:t>For the evaluation of Data distribution, we do the following:</a:t>
+                  <a:t>For the evaluation of Signal distribution from data, we do the following:</a:t>
                 </a:r>
               </a:p>
               <a:p>
@@ -8801,13 +8756,13 @@
                         <a:rPr lang="en-US" sz="1600" b="0" i="1" smtClean="0">
                           <a:latin typeface="Cambria Math" panose="02040503050406030204" pitchFamily="18" charset="0"/>
                         </a:rPr>
-                        <m:t>: </m:t>
+                        <m:t>:</m:t>
                       </m:r>
                       <m:r>
                         <a:rPr lang="en-US" sz="1600" b="0" i="1" smtClean="0">
                           <a:latin typeface="Cambria Math" panose="02040503050406030204" pitchFamily="18" charset="0"/>
                         </a:rPr>
-                        <m:t>𝐷</m:t>
+                        <m:t>𝑆</m:t>
                       </m:r>
                       <m:d>
                         <m:dPr>
@@ -8841,6 +8796,35 @@
                           </m:ctrlPr>
                         </m:sSubPr>
                         <m:e>
+                          <m:r>
+                            <a:rPr lang="en-US" sz="1600" b="0" i="1" smtClean="0">
+                              <a:latin typeface="Cambria Math" panose="02040503050406030204" pitchFamily="18" charset="0"/>
+                            </a:rPr>
+                            <m:t>𝐷</m:t>
+                          </m:r>
+                          <m:d>
+                            <m:dPr>
+                              <m:ctrlPr>
+                                <a:rPr lang="en-US" sz="1600" b="0" i="1" smtClean="0">
+                                  <a:latin typeface="Cambria Math" panose="02040503050406030204" pitchFamily="18" charset="0"/>
+                                </a:rPr>
+                              </m:ctrlPr>
+                            </m:dPr>
+                            <m:e>
+                              <m:r>
+                                <a:rPr lang="en-US" sz="1600" b="0" i="1" smtClean="0">
+                                  <a:latin typeface="Cambria Math" panose="02040503050406030204" pitchFamily="18" charset="0"/>
+                                </a:rPr>
+                                <m:t>𝑥</m:t>
+                              </m:r>
+                            </m:e>
+                          </m:d>
+                          <m:r>
+                            <a:rPr lang="en-US" sz="1600" b="0" i="1" smtClean="0">
+                              <a:latin typeface="Cambria Math" panose="02040503050406030204" pitchFamily="18" charset="0"/>
+                            </a:rPr>
+                            <m:t> − </m:t>
+                          </m:r>
                           <m:r>
                             <a:rPr lang="en-US" sz="1600" b="0" i="1" smtClean="0">
                               <a:latin typeface="Cambria Math" panose="02040503050406030204" pitchFamily="18" charset="0"/>
@@ -8993,7 +8977,7 @@
                 <a:avLst/>
               </a:prstGeom>
               <a:blipFill>
-                <a:blip r:embed="rId3"/>
+                <a:blip r:embed="rId4"/>
                 <a:stretch>
                   <a:fillRect l="-216" t="-228"/>
                 </a:stretch>
@@ -9014,6 +8998,40 @@
           </p:sp>
         </mc:Fallback>
       </mc:AlternateContent>
+      <p:sp>
+        <p:nvSpPr>
+          <p:cNvPr id="8" name="Footer Placeholder 2">
+            <a:extLst>
+              <a:ext uri="{FF2B5EF4-FFF2-40B4-BE49-F238E27FC236}">
+                <a16:creationId xmlns:a16="http://schemas.microsoft.com/office/drawing/2014/main" id="{9BB4B08B-A984-594C-89AA-5EDA885B66FC}"/>
+              </a:ext>
+            </a:extLst>
+          </p:cNvPr>
+          <p:cNvSpPr>
+            <a:spLocks noGrp="1"/>
+          </p:cNvSpPr>
+          <p:nvPr>
+            <p:ph type="ftr" sz="quarter" idx="11"/>
+          </p:nvPr>
+        </p:nvSpPr>
+        <p:spPr>
+          <a:xfrm>
+            <a:off x="3686185" y="6459785"/>
+            <a:ext cx="4822804" cy="365125"/>
+          </a:xfrm>
+        </p:spPr>
+        <p:txBody>
+          <a:bodyPr/>
+          <a:lstStyle/>
+          <a:p>
+            <a:r>
+              <a:rPr lang="fi-FI" dirty="0"/>
+              <a:t>NTUA</a:t>
+            </a:r>
+            <a:endParaRPr lang="en-US" dirty="0"/>
+          </a:p>
+        </p:txBody>
+      </p:sp>
     </p:spTree>
     <p:extLst>
       <p:ext uri="{BB962C8B-B14F-4D97-AF65-F5344CB8AC3E}">
@@ -9061,11 +9079,7 @@
           <a:p>
             <a:r>
               <a:rPr lang="fi-FI" dirty="0"/>
-              <a:t>NTUA G. </a:t>
-            </a:r>
-            <a:r>
-              <a:rPr lang="fi-FI" dirty="0" err="1"/>
-              <a:t>Bakas</a:t>
+              <a:t>NTUA</a:t>
             </a:r>
             <a:endParaRPr lang="en-US" dirty="0"/>
           </a:p>
@@ -10434,11 +10448,7 @@
           <a:p>
             <a:r>
               <a:rPr lang="fi-FI" dirty="0"/>
-              <a:t>NTUA G. </a:t>
-            </a:r>
-            <a:r>
-              <a:rPr lang="fi-FI" dirty="0" err="1"/>
-              <a:t>Bakas</a:t>
+              <a:t>NTUA</a:t>
             </a:r>
             <a:endParaRPr lang="en-US" dirty="0"/>
           </a:p>
@@ -10703,11 +10713,7 @@
           <a:p>
             <a:r>
               <a:rPr lang="fi-FI" dirty="0"/>
-              <a:t>NTUA G. </a:t>
-            </a:r>
-            <a:r>
-              <a:rPr lang="fi-FI" dirty="0" err="1"/>
-              <a:t>Bakas</a:t>
+              <a:t>NTUA</a:t>
             </a:r>
             <a:endParaRPr lang="en-US" dirty="0"/>
           </a:p>
@@ -10972,11 +10978,7 @@
           <a:p>
             <a:r>
               <a:rPr lang="fi-FI" dirty="0"/>
-              <a:t>NTUA G. </a:t>
-            </a:r>
-            <a:r>
-              <a:rPr lang="fi-FI" dirty="0" err="1"/>
-              <a:t>Bakas</a:t>
+              <a:t>NTUA</a:t>
             </a:r>
             <a:endParaRPr lang="en-US" dirty="0"/>
           </a:p>
@@ -11241,11 +11243,7 @@
           <a:p>
             <a:r>
               <a:rPr lang="fi-FI" dirty="0"/>
-              <a:t>NTUA G. </a:t>
-            </a:r>
-            <a:r>
-              <a:rPr lang="fi-FI" dirty="0" err="1"/>
-              <a:t>Bakas</a:t>
+              <a:t>NTUA</a:t>
             </a:r>
             <a:endParaRPr lang="en-US" dirty="0"/>
           </a:p>
